--- a/temas/intro2026.pptx
+++ b/temas/intro2026.pptx
@@ -267,7 +267,7 @@
           <a:p>
             <a:fld id="{2245A84E-8D53-4A8D-A36D-9144D4C546B9}" type="datetimeFigureOut">
               <a:rPr lang="en-US" smtClean="0"/>
-              <a:t>2/17/2026</a:t>
+              <a:t>2/23/2026</a:t>
             </a:fld>
             <a:endParaRPr lang="en-US"/>
           </a:p>
@@ -459,7 +459,7 @@
               <a:pPr>
                 <a:defRPr/>
               </a:pPr>
-              <a:t>2/17/2026</a:t>
+              <a:t>2/23/2026</a:t>
             </a:fld>
             <a:endParaRPr lang="en-US"/>
           </a:p>
@@ -1175,7 +1175,7 @@
               <a:pPr>
                 <a:defRPr/>
               </a:pPr>
-              <a:t>2/17/2026</a:t>
+              <a:t>2/23/2026</a:t>
             </a:fld>
             <a:endParaRPr lang="en-US"/>
           </a:p>
@@ -1549,7 +1549,7 @@
               <a:pPr>
                 <a:defRPr/>
               </a:pPr>
-              <a:t>2/17/2026</a:t>
+              <a:t>2/23/2026</a:t>
             </a:fld>
             <a:endParaRPr lang="en-US"/>
           </a:p>
@@ -1739,7 +1739,7 @@
               <a:pPr>
                 <a:defRPr/>
               </a:pPr>
-              <a:t>2/17/2026</a:t>
+              <a:t>2/23/2026</a:t>
             </a:fld>
             <a:endParaRPr lang="en-US"/>
           </a:p>
@@ -1989,7 +1989,7 @@
               <a:pPr>
                 <a:defRPr/>
               </a:pPr>
-              <a:t>2/17/2026</a:t>
+              <a:t>2/23/2026</a:t>
             </a:fld>
             <a:endParaRPr lang="en-US"/>
           </a:p>
@@ -2273,7 +2273,7 @@
               <a:pPr>
                 <a:defRPr/>
               </a:pPr>
-              <a:t>2/17/2026</a:t>
+              <a:t>2/23/2026</a:t>
             </a:fld>
             <a:endParaRPr lang="en-US"/>
           </a:p>
@@ -2508,7 +2508,7 @@
               <a:pPr>
                 <a:defRPr/>
               </a:pPr>
-              <a:t>2/17/2026</a:t>
+              <a:t>2/23/2026</a:t>
             </a:fld>
             <a:endParaRPr lang="en-US"/>
           </a:p>
@@ -2875,7 +2875,7 @@
               <a:pPr>
                 <a:defRPr/>
               </a:pPr>
-              <a:t>2/17/2026</a:t>
+              <a:t>2/23/2026</a:t>
             </a:fld>
             <a:endParaRPr lang="en-US"/>
           </a:p>
@@ -3122,7 +3122,7 @@
               <a:pPr>
                 <a:defRPr/>
               </a:pPr>
-              <a:t>2/17/2026</a:t>
+              <a:t>2/23/2026</a:t>
             </a:fld>
             <a:endParaRPr lang="en-US"/>
           </a:p>
@@ -3277,7 +3277,7 @@
               <a:pPr>
                 <a:defRPr/>
               </a:pPr>
-              <a:t>2/17/2026</a:t>
+              <a:t>2/23/2026</a:t>
             </a:fld>
             <a:endParaRPr lang="en-US"/>
           </a:p>
@@ -3569,7 +3569,7 @@
               <a:pPr>
                 <a:defRPr/>
               </a:pPr>
-              <a:t>2/17/2026</a:t>
+              <a:t>2/23/2026</a:t>
             </a:fld>
             <a:endParaRPr lang="en-US"/>
           </a:p>
@@ -3991,7 +3991,7 @@
               <a:pPr>
                 <a:defRPr/>
               </a:pPr>
-              <a:t>2/17/2026</a:t>
+              <a:t>2/23/2026</a:t>
             </a:fld>
             <a:endParaRPr lang="en-US"/>
           </a:p>
@@ -4344,7 +4344,7 @@
               <a:pPr>
                 <a:defRPr/>
               </a:pPr>
-              <a:t>2/17/2026</a:t>
+              <a:t>2/23/2026</a:t>
             </a:fld>
             <a:endParaRPr lang="en-US" dirty="0">
               <a:solidFill>
@@ -5306,7 +5306,7 @@
             <a:pPr lvl="1"/>
             <a:r>
               <a:rPr lang="es-ES" dirty="0"/>
-              <a:t>1.5p     Test tema 2 (17 de marzo) </a:t>
+              <a:t>1.5p     Test tema 2 (20 de marzo) </a:t>
             </a:r>
             <a:r>
               <a:rPr lang="es-ES" baseline="30000" dirty="0"/>
@@ -5317,7 +5317,7 @@
             <a:pPr lvl="1"/>
             <a:r>
               <a:rPr lang="es-ES" dirty="0"/>
-              <a:t>1.5p     Test tema 4 (28 de abril) </a:t>
+              <a:t>1.5p     Test tema 4 (8 de mayo) </a:t>
             </a:r>
             <a:r>
               <a:rPr lang="es-ES" baseline="30000" dirty="0"/>
@@ -5328,7 +5328,7 @@
             <a:pPr lvl="1"/>
             <a:r>
               <a:rPr lang="es-ES" dirty="0"/>
-              <a:t>1.0p     Test tema 5 (14 de mayo) </a:t>
+              <a:t>1.0p     Test tema 5 (20 de mayo) </a:t>
             </a:r>
             <a:r>
               <a:rPr lang="es-ES" baseline="30000" dirty="0"/>
@@ -5340,7 +5340,7 @@
             <a:pPr lvl="1"/>
             <a:r>
               <a:rPr lang="es-ES" dirty="0"/>
-              <a:t>3.5p     Examen final en fecha oficial (5 de junio) </a:t>
+              <a:t>3.5p     Examen final en fecha oficial (12 de junio) </a:t>
             </a:r>
             <a:r>
               <a:rPr lang="es-ES" baseline="30000" dirty="0"/>
@@ -12913,18 +12913,18 @@
 </file>
 
 <file path=customXml/item1.xml><?xml version="1.0" encoding="utf-8"?>
+<p:properties xmlns:p="http://schemas.microsoft.com/office/2006/metadata/properties" xmlns:xsi="http://www.w3.org/2001/XMLSchema-instance" xmlns:pc="http://schemas.microsoft.com/office/infopath/2007/PartnerControls">
+  <documentManagement/>
+</p:properties>
+</file>
+
+<file path=customXml/item2.xml><?xml version="1.0" encoding="utf-8"?>
 <?mso-contentType ?>
 <FormTemplates xmlns="http://schemas.microsoft.com/sharepoint/v3/contenttype/forms">
   <Display>DocumentLibraryForm</Display>
   <Edit>DocumentLibraryForm</Edit>
   <New>DocumentLibraryForm</New>
 </FormTemplates>
-</file>
-
-<file path=customXml/item2.xml><?xml version="1.0" encoding="utf-8"?>
-<p:properties xmlns:p="http://schemas.microsoft.com/office/2006/metadata/properties" xmlns:xsi="http://www.w3.org/2001/XMLSchema-instance" xmlns:pc="http://schemas.microsoft.com/office/infopath/2007/PartnerControls">
-  <documentManagement/>
-</p:properties>
 </file>
 
 <file path=customXml/item3.xml><?xml version="1.0" encoding="utf-8"?>
@@ -13137,14 +13137,6 @@
 </file>
 
 <file path=customXml/itemProps1.xml><?xml version="1.0" encoding="utf-8"?>
-<ds:datastoreItem xmlns:ds="http://schemas.openxmlformats.org/officeDocument/2006/customXml" ds:itemID="{D7792CB8-57C7-47F1-B9EF-BB12916B3769}">
-  <ds:schemaRefs>
-    <ds:schemaRef ds:uri="http://schemas.microsoft.com/sharepoint/v3/contenttype/forms"/>
-  </ds:schemaRefs>
-</ds:datastoreItem>
-</file>
-
-<file path=customXml/itemProps2.xml><?xml version="1.0" encoding="utf-8"?>
 <ds:datastoreItem xmlns:ds="http://schemas.openxmlformats.org/officeDocument/2006/customXml" ds:itemID="{C4052234-4F05-44DE-9654-247F8CD78F7B}">
   <ds:schemaRefs>
     <ds:schemaRef ds:uri="http://schemas.microsoft.com/office/infopath/2007/PartnerControls"/>
@@ -13157,6 +13149,14 @@
     <ds:schemaRef ds:uri="http://schemas.openxmlformats.org/package/2006/metadata/core-properties"/>
     <ds:schemaRef ds:uri="2d68f367-3448-4584-8be4-e5200f1a88eb"/>
     <ds:schemaRef ds:uri="http://www.w3.org/XML/1998/namespace"/>
+  </ds:schemaRefs>
+</ds:datastoreItem>
+</file>
+
+<file path=customXml/itemProps2.xml><?xml version="1.0" encoding="utf-8"?>
+<ds:datastoreItem xmlns:ds="http://schemas.openxmlformats.org/officeDocument/2006/customXml" ds:itemID="{D7792CB8-57C7-47F1-B9EF-BB12916B3769}">
+  <ds:schemaRefs>
+    <ds:schemaRef ds:uri="http://schemas.microsoft.com/sharepoint/v3/contenttype/forms"/>
   </ds:schemaRefs>
 </ds:datastoreItem>
 </file>
